--- a/Reports/Team5_project_Proposal.pptx
+++ b/Reports/Team5_project_Proposal.pptx
@@ -115,6 +115,11 @@
       </a:defRPr>
     </a:lvl9pPr>
   </p:defaultTextStyle>
+  <p:extLst>
+    <p:ext uri="{EFAFB233-063F-42B5-8137-9DF3F51BA10A}">
+      <p15:sldGuideLst xmlns:p15="http://schemas.microsoft.com/office/powerpoint/2012/main"/>
+    </p:ext>
+  </p:extLst>
 </p:presentation>
 </file>
 
@@ -7013,7 +7018,10 @@
           <a:bodyPr/>
           <a:lstStyle/>
           <a:p>
-            <a:endParaRPr lang="en-US" dirty="0"/>
+            <a:r>
+              <a:rPr lang="en-US" dirty="0"/>
+              <a:t>Proposed Solution</a:t>
+            </a:r>
           </a:p>
         </p:txBody>
       </p:sp>
@@ -7040,7 +7048,7 @@
           <a:p>
             <a:r>
               <a:rPr lang="en-US" dirty="0"/>
-              <a:t>Ryan – systems (basic talk of what we want), unknowns, ways of testing systems</a:t>
+              <a:t>Ryan – systems (basic talk of what we want), unknowns, ways of testing systems, mention mechanical and what they think would work (Like Fastenal 3D array lockbox)</a:t>
             </a:r>
           </a:p>
         </p:txBody>

--- a/Reports/Team5_project_Proposal.pptx
+++ b/Reports/Team5_project_Proposal.pptx
@@ -11,12 +11,14 @@
     <p:sldId id="258" r:id="rId5"/>
     <p:sldId id="263" r:id="rId6"/>
     <p:sldId id="259" r:id="rId7"/>
-    <p:sldId id="265" r:id="rId8"/>
-    <p:sldId id="260" r:id="rId9"/>
-    <p:sldId id="267" r:id="rId10"/>
-    <p:sldId id="261" r:id="rId11"/>
-    <p:sldId id="262" r:id="rId12"/>
-    <p:sldId id="264" r:id="rId13"/>
+    <p:sldId id="268" r:id="rId8"/>
+    <p:sldId id="269" r:id="rId9"/>
+    <p:sldId id="265" r:id="rId10"/>
+    <p:sldId id="260" r:id="rId11"/>
+    <p:sldId id="267" r:id="rId12"/>
+    <p:sldId id="261" r:id="rId13"/>
+    <p:sldId id="262" r:id="rId14"/>
+    <p:sldId id="264" r:id="rId15"/>
   </p:sldIdLst>
   <p:sldSz cx="12192000" cy="6858000"/>
   <p:notesSz cx="6858000" cy="9144000"/>
@@ -6314,7 +6316,7 @@
           <p:cNvPr id="2" name="Title 1">
             <a:extLst>
               <a:ext uri="{FF2B5EF4-FFF2-40B4-BE49-F238E27FC236}">
-                <a16:creationId xmlns:a16="http://schemas.microsoft.com/office/drawing/2014/main" id="{74636C07-1F84-015D-7054-91F8A95F38C3}"/>
+                <a16:creationId xmlns:a16="http://schemas.microsoft.com/office/drawing/2014/main" id="{D1D61DF3-2E7E-B9BD-E7B2-056B96FC9F4C}"/>
               </a:ext>
             </a:extLst>
           </p:cNvPr>
@@ -6332,7 +6334,7 @@
           <a:p>
             <a:r>
               <a:rPr lang="en-US" dirty="0"/>
-              <a:t>Resources</a:t>
+              <a:t>Measures of Success</a:t>
             </a:r>
           </a:p>
         </p:txBody>
@@ -6342,7 +6344,7 @@
           <p:cNvPr id="3" name="Content Placeholder 2">
             <a:extLst>
               <a:ext uri="{FF2B5EF4-FFF2-40B4-BE49-F238E27FC236}">
-                <a16:creationId xmlns:a16="http://schemas.microsoft.com/office/drawing/2014/main" id="{B096B5FC-4B6E-44F3-1D4F-5BB285D3DAA2}"/>
+                <a16:creationId xmlns:a16="http://schemas.microsoft.com/office/drawing/2014/main" id="{37C9D95E-B033-7729-0230-9FF7CB0E73E7}"/>
               </a:ext>
             </a:extLst>
           </p:cNvPr>
@@ -6359,16 +6361,17 @@
           <a:lstStyle/>
           <a:p>
             <a:r>
-              <a:rPr lang="en-US" dirty="0"/>
-              <a:t>Michel - budget, timeline, conclusion area</a:t>
-            </a:r>
+              <a:rPr lang="en-US" dirty="0" err="1"/>
+              <a:t>austin</a:t>
+            </a:r>
+            <a:endParaRPr lang="en-US" dirty="0"/>
           </a:p>
         </p:txBody>
       </p:sp>
     </p:spTree>
     <p:extLst>
       <p:ext uri="{BB962C8B-B14F-4D97-AF65-F5344CB8AC3E}">
-        <p14:creationId xmlns:p14="http://schemas.microsoft.com/office/powerpoint/2010/main" val="1892963610"/>
+        <p14:creationId xmlns:p14="http://schemas.microsoft.com/office/powerpoint/2010/main" val="2684452183"/>
       </p:ext>
     </p:extLst>
   </p:cSld>
@@ -6400,6 +6403,175 @@
           <p:cNvPr id="2" name="Title 1">
             <a:extLst>
               <a:ext uri="{FF2B5EF4-FFF2-40B4-BE49-F238E27FC236}">
+                <a16:creationId xmlns:a16="http://schemas.microsoft.com/office/drawing/2014/main" id="{B5260E69-4A43-40AF-A806-B61AB0833D5A}"/>
+              </a:ext>
+            </a:extLst>
+          </p:cNvPr>
+          <p:cNvSpPr>
+            <a:spLocks noGrp="1"/>
+          </p:cNvSpPr>
+          <p:nvPr>
+            <p:ph type="title"/>
+          </p:nvPr>
+        </p:nvSpPr>
+        <p:spPr/>
+        <p:txBody>
+          <a:bodyPr/>
+          <a:lstStyle/>
+          <a:p>
+            <a:endParaRPr lang="en-US"/>
+          </a:p>
+        </p:txBody>
+      </p:sp>
+      <p:sp>
+        <p:nvSpPr>
+          <p:cNvPr id="3" name="Content Placeholder 2">
+            <a:extLst>
+              <a:ext uri="{FF2B5EF4-FFF2-40B4-BE49-F238E27FC236}">
+                <a16:creationId xmlns:a16="http://schemas.microsoft.com/office/drawing/2014/main" id="{57F29B84-5F69-C4CA-E012-1FB6E9D3CDEB}"/>
+              </a:ext>
+            </a:extLst>
+          </p:cNvPr>
+          <p:cNvSpPr>
+            <a:spLocks noGrp="1"/>
+          </p:cNvSpPr>
+          <p:nvPr>
+            <p:ph sz="quarter" idx="13"/>
+          </p:nvPr>
+        </p:nvSpPr>
+        <p:spPr/>
+        <p:txBody>
+          <a:bodyPr/>
+          <a:lstStyle/>
+          <a:p>
+            <a:r>
+              <a:rPr lang="en-US" dirty="0"/>
+              <a:t>Austin – also impacts of the project </a:t>
+            </a:r>
+          </a:p>
+        </p:txBody>
+      </p:sp>
+    </p:spTree>
+    <p:extLst>
+      <p:ext uri="{BB962C8B-B14F-4D97-AF65-F5344CB8AC3E}">
+        <p14:creationId xmlns:p14="http://schemas.microsoft.com/office/powerpoint/2010/main" val="1634311964"/>
+      </p:ext>
+    </p:extLst>
+  </p:cSld>
+  <p:clrMapOvr>
+    <a:masterClrMapping/>
+  </p:clrMapOvr>
+</p:sld>
+</file>
+
+<file path=ppt/slides/slide12.xml><?xml version="1.0" encoding="utf-8"?>
+<p:sld xmlns:a="http://schemas.openxmlformats.org/drawingml/2006/main" xmlns:r="http://schemas.openxmlformats.org/officeDocument/2006/relationships" xmlns:p="http://schemas.openxmlformats.org/presentationml/2006/main">
+  <p:cSld>
+    <p:spTree>
+      <p:nvGrpSpPr>
+        <p:cNvPr id="1" name=""/>
+        <p:cNvGrpSpPr/>
+        <p:nvPr/>
+      </p:nvGrpSpPr>
+      <p:grpSpPr>
+        <a:xfrm>
+          <a:off x="0" y="0"/>
+          <a:ext cx="0" cy="0"/>
+          <a:chOff x="0" y="0"/>
+          <a:chExt cx="0" cy="0"/>
+        </a:xfrm>
+      </p:grpSpPr>
+      <p:sp>
+        <p:nvSpPr>
+          <p:cNvPr id="2" name="Title 1">
+            <a:extLst>
+              <a:ext uri="{FF2B5EF4-FFF2-40B4-BE49-F238E27FC236}">
+                <a16:creationId xmlns:a16="http://schemas.microsoft.com/office/drawing/2014/main" id="{74636C07-1F84-015D-7054-91F8A95F38C3}"/>
+              </a:ext>
+            </a:extLst>
+          </p:cNvPr>
+          <p:cNvSpPr>
+            <a:spLocks noGrp="1"/>
+          </p:cNvSpPr>
+          <p:nvPr>
+            <p:ph type="title"/>
+          </p:nvPr>
+        </p:nvSpPr>
+        <p:spPr/>
+        <p:txBody>
+          <a:bodyPr/>
+          <a:lstStyle/>
+          <a:p>
+            <a:r>
+              <a:rPr lang="en-US" dirty="0"/>
+              <a:t>Resources</a:t>
+            </a:r>
+          </a:p>
+        </p:txBody>
+      </p:sp>
+      <p:sp>
+        <p:nvSpPr>
+          <p:cNvPr id="3" name="Content Placeholder 2">
+            <a:extLst>
+              <a:ext uri="{FF2B5EF4-FFF2-40B4-BE49-F238E27FC236}">
+                <a16:creationId xmlns:a16="http://schemas.microsoft.com/office/drawing/2014/main" id="{B096B5FC-4B6E-44F3-1D4F-5BB285D3DAA2}"/>
+              </a:ext>
+            </a:extLst>
+          </p:cNvPr>
+          <p:cNvSpPr>
+            <a:spLocks noGrp="1"/>
+          </p:cNvSpPr>
+          <p:nvPr>
+            <p:ph sz="quarter" idx="13"/>
+          </p:nvPr>
+        </p:nvSpPr>
+        <p:spPr/>
+        <p:txBody>
+          <a:bodyPr/>
+          <a:lstStyle/>
+          <a:p>
+            <a:r>
+              <a:rPr lang="en-US" dirty="0"/>
+              <a:t>Michel - budget, timeline, conclusion area</a:t>
+            </a:r>
+          </a:p>
+        </p:txBody>
+      </p:sp>
+    </p:spTree>
+    <p:extLst>
+      <p:ext uri="{BB962C8B-B14F-4D97-AF65-F5344CB8AC3E}">
+        <p14:creationId xmlns:p14="http://schemas.microsoft.com/office/powerpoint/2010/main" val="1892963610"/>
+      </p:ext>
+    </p:extLst>
+  </p:cSld>
+  <p:clrMapOvr>
+    <a:masterClrMapping/>
+  </p:clrMapOvr>
+</p:sld>
+</file>
+
+<file path=ppt/slides/slide13.xml><?xml version="1.0" encoding="utf-8"?>
+<p:sld xmlns:a="http://schemas.openxmlformats.org/drawingml/2006/main" xmlns:r="http://schemas.openxmlformats.org/officeDocument/2006/relationships" xmlns:p="http://schemas.openxmlformats.org/presentationml/2006/main">
+  <p:cSld>
+    <p:spTree>
+      <p:nvGrpSpPr>
+        <p:cNvPr id="1" name=""/>
+        <p:cNvGrpSpPr/>
+        <p:nvPr/>
+      </p:nvGrpSpPr>
+      <p:grpSpPr>
+        <a:xfrm>
+          <a:off x="0" y="0"/>
+          <a:ext cx="0" cy="0"/>
+          <a:chOff x="0" y="0"/>
+          <a:chExt cx="0" cy="0"/>
+        </a:xfrm>
+      </p:grpSpPr>
+      <p:sp>
+        <p:nvSpPr>
+          <p:cNvPr id="2" name="Title 1">
+            <a:extLst>
+              <a:ext uri="{FF2B5EF4-FFF2-40B4-BE49-F238E27FC236}">
                 <a16:creationId xmlns:a16="http://schemas.microsoft.com/office/drawing/2014/main" id="{3B7CCE07-FBFD-3B7D-B352-F6A0FF3BE0BD}"/>
               </a:ext>
             </a:extLst>
@@ -6465,7 +6637,7 @@
 </p:sld>
 </file>
 
-<file path=ppt/slides/slide12.xml><?xml version="1.0" encoding="utf-8"?>
+<file path=ppt/slides/slide14.xml><?xml version="1.0" encoding="utf-8"?>
 <p:sld xmlns:a="http://schemas.openxmlformats.org/drawingml/2006/main" xmlns:r="http://schemas.openxmlformats.org/officeDocument/2006/relationships" xmlns:p="http://schemas.openxmlformats.org/presentationml/2006/main">
   <p:cSld>
     <p:spTree>
@@ -6939,30 +7111,151 @@
           </a:p>
         </p:txBody>
       </p:sp>
-      <p:sp>
-        <p:nvSpPr>
-          <p:cNvPr id="3" name="Content Placeholder 2">
+      <p:pic>
+        <p:nvPicPr>
+          <p:cNvPr id="5" name="Content Placeholder 4">
             <a:extLst>
               <a:ext uri="{FF2B5EF4-FFF2-40B4-BE49-F238E27FC236}">
-                <a16:creationId xmlns:a16="http://schemas.microsoft.com/office/drawing/2014/main" id="{47544C65-F15D-33AE-FAF3-3565B364854F}"/>
+                <a16:creationId xmlns:a16="http://schemas.microsoft.com/office/drawing/2014/main" id="{9FE30AD1-3397-0175-125E-A614886098FF}"/>
               </a:ext>
             </a:extLst>
           </p:cNvPr>
-          <p:cNvSpPr>
-            <a:spLocks noGrp="1"/>
-          </p:cNvSpPr>
+          <p:cNvPicPr>
+            <a:picLocks noGrp="1" noChangeAspect="1"/>
+          </p:cNvPicPr>
           <p:nvPr>
             <p:ph sz="quarter" idx="13"/>
           </p:nvPr>
-        </p:nvSpPr>
-        <p:spPr/>
-        <p:txBody>
-          <a:bodyPr/>
-          <a:lstStyle/>
-          <a:p>
+        </p:nvPicPr>
+        <p:blipFill>
+          <a:blip r:embed="rId2">
+            <a:extLst>
+              <a:ext uri="{28A0092B-C50C-407E-A947-70E740481C1C}">
+                <a14:useLocalDpi xmlns:a14="http://schemas.microsoft.com/office/drawing/2010/main" val="0"/>
+              </a:ext>
+            </a:extLst>
+          </a:blip>
+          <a:stretch>
+            <a:fillRect/>
+          </a:stretch>
+        </p:blipFill>
+        <p:spPr>
+          <a:xfrm>
+            <a:off x="816277" y="1962147"/>
+            <a:ext cx="2559530" cy="3424237"/>
+          </a:xfrm>
+        </p:spPr>
+      </p:pic>
+      <p:sp>
+        <p:nvSpPr>
+          <p:cNvPr id="8" name="TextBox 7">
+            <a:extLst>
+              <a:ext uri="{FF2B5EF4-FFF2-40B4-BE49-F238E27FC236}">
+                <a16:creationId xmlns:a16="http://schemas.microsoft.com/office/drawing/2014/main" id="{AAB8CDF0-8B85-4F40-B17F-A6EF83436E19}"/>
+              </a:ext>
+            </a:extLst>
+          </p:cNvPr>
+          <p:cNvSpPr txBox="1"/>
+          <p:nvPr/>
+        </p:nvSpPr>
+        <p:spPr>
+          <a:xfrm>
+            <a:off x="3827417" y="1962147"/>
+            <a:ext cx="6840583" cy="3508653"/>
+          </a:xfrm>
+          <a:prstGeom prst="rect">
+            <a:avLst/>
+          </a:prstGeom>
+          <a:noFill/>
+        </p:spPr>
+        <p:txBody>
+          <a:bodyPr wrap="square" rtlCol="0">
+            <a:spAutoFit/>
+          </a:bodyPr>
+          <a:lstStyle/>
+          <a:p>
+            <a:r>
+              <a:rPr lang="en-US" sz="2000" dirty="0">
+                <a:latin typeface="+mj-lt"/>
+              </a:rPr>
+              <a:t>Elevator Vending Machine</a:t>
+            </a:r>
+          </a:p>
+          <a:p>
+            <a:endParaRPr lang="en-US" sz="2000" dirty="0">
+              <a:latin typeface="+mj-lt"/>
+            </a:endParaRPr>
+          </a:p>
+          <a:p>
+            <a:r>
+              <a:rPr lang="en-US" dirty="0">
+                <a:latin typeface="+mj-lt"/>
+              </a:rPr>
+              <a:t>PROS:</a:t>
+            </a:r>
+          </a:p>
+          <a:p>
+            <a:pPr marL="285750" indent="-285750">
+              <a:buFont typeface="Arial" panose="020B0604020202020204" pitchFamily="34" charset="0"/>
+              <a:buChar char="•"/>
+            </a:pPr>
             <a:r>
               <a:rPr lang="en-US" dirty="0"/>
-              <a:t>Ryan – make sure to have photos, can add more slides if needed</a:t>
+              <a:t>Safety of Devices</a:t>
+            </a:r>
+          </a:p>
+          <a:p>
+            <a:pPr marL="285750" indent="-285750">
+              <a:buFont typeface="Arial" panose="020B0604020202020204" pitchFamily="34" charset="0"/>
+              <a:buChar char="•"/>
+            </a:pPr>
+            <a:r>
+              <a:rPr lang="en-US" dirty="0"/>
+              <a:t>Decent Inventory</a:t>
+            </a:r>
+          </a:p>
+          <a:p>
+            <a:endParaRPr lang="en-US" dirty="0"/>
+          </a:p>
+          <a:p>
+            <a:r>
+              <a:rPr lang="en-US" dirty="0"/>
+              <a:t>CONS:</a:t>
+            </a:r>
+          </a:p>
+          <a:p>
+            <a:pPr marL="285750" indent="-285750">
+              <a:buFont typeface="Arial" panose="020B0604020202020204" pitchFamily="34" charset="0"/>
+              <a:buChar char="•"/>
+            </a:pPr>
+            <a:r>
+              <a:rPr lang="en-US" dirty="0"/>
+              <a:t>Shelf Customization Decreases Inventory</a:t>
+            </a:r>
+          </a:p>
+          <a:p>
+            <a:pPr marL="285750" indent="-285750">
+              <a:buFont typeface="Arial" panose="020B0604020202020204" pitchFamily="34" charset="0"/>
+              <a:buChar char="•"/>
+            </a:pPr>
+            <a:r>
+              <a:rPr lang="en-US" dirty="0"/>
+              <a:t>Machine Size (6’4”H x 4’7”L x 3’3”W)</a:t>
+            </a:r>
+          </a:p>
+          <a:p>
+            <a:endParaRPr lang="en-US" dirty="0"/>
+          </a:p>
+          <a:p>
+            <a:r>
+              <a:rPr lang="en-US" dirty="0"/>
+              <a:t>PRICE:</a:t>
+            </a:r>
+          </a:p>
+          <a:p>
+            <a:r>
+              <a:rPr lang="en-US" dirty="0"/>
+              <a:t>Unknown, but generally &gt; $3500</a:t>
             </a:r>
           </a:p>
         </p:txBody>
@@ -7002,7 +7295,7 @@
           <p:cNvPr id="2" name="Title 1">
             <a:extLst>
               <a:ext uri="{FF2B5EF4-FFF2-40B4-BE49-F238E27FC236}">
-                <a16:creationId xmlns:a16="http://schemas.microsoft.com/office/drawing/2014/main" id="{4E89383D-85BD-9FB9-287B-4F68DC44A725}"/>
+                <a16:creationId xmlns:a16="http://schemas.microsoft.com/office/drawing/2014/main" id="{DE1F1D01-0460-3A17-9806-8F185562A021}"/>
               </a:ext>
             </a:extLst>
           </p:cNvPr>
@@ -7020,35 +7313,173 @@
           <a:p>
             <a:r>
               <a:rPr lang="en-US" dirty="0"/>
-              <a:t>Proposed Solution</a:t>
-            </a:r>
-          </a:p>
-        </p:txBody>
-      </p:sp>
-      <p:sp>
-        <p:nvSpPr>
-          <p:cNvPr id="3" name="Content Placeholder 2">
+              <a:t>Existing Solutions</a:t>
+            </a:r>
+          </a:p>
+        </p:txBody>
+      </p:sp>
+      <p:pic>
+        <p:nvPicPr>
+          <p:cNvPr id="5" name="Content Placeholder 4">
             <a:extLst>
               <a:ext uri="{FF2B5EF4-FFF2-40B4-BE49-F238E27FC236}">
-                <a16:creationId xmlns:a16="http://schemas.microsoft.com/office/drawing/2014/main" id="{47544C65-F15D-33AE-FAF3-3565B364854F}"/>
+                <a16:creationId xmlns:a16="http://schemas.microsoft.com/office/drawing/2014/main" id="{86D9E061-A99B-28C4-F0B8-9560700B7543}"/>
               </a:ext>
             </a:extLst>
           </p:cNvPr>
-          <p:cNvSpPr>
-            <a:spLocks noGrp="1"/>
-          </p:cNvSpPr>
+          <p:cNvPicPr>
+            <a:picLocks noGrp="1" noChangeAspect="1"/>
+          </p:cNvPicPr>
           <p:nvPr>
             <p:ph sz="quarter" idx="13"/>
           </p:nvPr>
-        </p:nvSpPr>
-        <p:spPr/>
-        <p:txBody>
-          <a:bodyPr/>
-          <a:lstStyle/>
+        </p:nvPicPr>
+        <p:blipFill>
+          <a:blip r:embed="rId2">
+            <a:extLst>
+              <a:ext uri="{28A0092B-C50C-407E-A947-70E740481C1C}">
+                <a14:useLocalDpi xmlns:a14="http://schemas.microsoft.com/office/drawing/2010/main" val="0"/>
+              </a:ext>
+            </a:extLst>
+          </a:blip>
+          <a:stretch>
+            <a:fillRect/>
+          </a:stretch>
+        </p:blipFill>
+        <p:spPr>
+          <a:xfrm>
+            <a:off x="913774" y="2005556"/>
+            <a:ext cx="2126037" cy="3424237"/>
+          </a:xfrm>
+        </p:spPr>
+      </p:pic>
+      <p:sp>
+        <p:nvSpPr>
+          <p:cNvPr id="6" name="TextBox 5">
+            <a:extLst>
+              <a:ext uri="{FF2B5EF4-FFF2-40B4-BE49-F238E27FC236}">
+                <a16:creationId xmlns:a16="http://schemas.microsoft.com/office/drawing/2014/main" id="{5EC5BC2C-9327-408B-3D78-C8303FA915D5}"/>
+              </a:ext>
+            </a:extLst>
+          </p:cNvPr>
+          <p:cNvSpPr txBox="1"/>
+          <p:nvPr/>
+        </p:nvSpPr>
+        <p:spPr>
+          <a:xfrm>
+            <a:off x="3827418" y="1966367"/>
+            <a:ext cx="5926183" cy="3754874"/>
+          </a:xfrm>
+          <a:prstGeom prst="rect">
+            <a:avLst/>
+          </a:prstGeom>
+          <a:noFill/>
+        </p:spPr>
+        <p:txBody>
+          <a:bodyPr wrap="square" rtlCol="0">
+            <a:spAutoFit/>
+          </a:bodyPr>
+          <a:lstStyle/>
+          <a:p>
+            <a:r>
+              <a:rPr lang="en-US" sz="2000" dirty="0">
+                <a:latin typeface="+mj-lt"/>
+              </a:rPr>
+              <a:t>Smart Vending Machine</a:t>
+            </a:r>
+            <a:endParaRPr lang="en-US" dirty="0"/>
+          </a:p>
+          <a:p>
+            <a:endParaRPr lang="en-US" sz="2000" dirty="0">
+              <a:latin typeface="+mj-lt"/>
+            </a:endParaRPr>
+          </a:p>
           <a:p>
             <a:r>
               <a:rPr lang="en-US" dirty="0"/>
-              <a:t>Ryan – systems (basic talk of what we want), unknowns, ways of testing systems, mention mechanical and what they think would work (Like Fastenal 3D array lockbox)</a:t>
+              <a:t>PROS:</a:t>
+            </a:r>
+          </a:p>
+          <a:p>
+            <a:pPr marL="342900" indent="-342900">
+              <a:buFont typeface="Arial" panose="020B0604020202020204" pitchFamily="34" charset="0"/>
+              <a:buChar char="•"/>
+            </a:pPr>
+            <a:r>
+              <a:rPr lang="en-US" dirty="0"/>
+              <a:t>Convenience is its Priority</a:t>
+            </a:r>
+          </a:p>
+          <a:p>
+            <a:pPr marL="342900" indent="-342900">
+              <a:buFont typeface="Arial" panose="020B0604020202020204" pitchFamily="34" charset="0"/>
+              <a:buChar char="•"/>
+            </a:pPr>
+            <a:r>
+              <a:rPr lang="en-US" dirty="0"/>
+              <a:t>No Buttons = Less Jams</a:t>
+            </a:r>
+          </a:p>
+          <a:p>
+            <a:pPr marL="342900" indent="-342900">
+              <a:buFont typeface="Arial" panose="020B0604020202020204" pitchFamily="34" charset="0"/>
+              <a:buChar char="•"/>
+            </a:pPr>
+            <a:endParaRPr lang="en-US" dirty="0"/>
+          </a:p>
+          <a:p>
+            <a:r>
+              <a:rPr lang="en-US" dirty="0"/>
+              <a:t>CONS:</a:t>
+            </a:r>
+          </a:p>
+          <a:p>
+            <a:pPr marL="342900" indent="-342900">
+              <a:buFont typeface="Arial" panose="020B0604020202020204" pitchFamily="34" charset="0"/>
+              <a:buChar char="•"/>
+            </a:pPr>
+            <a:r>
+              <a:rPr lang="en-US" dirty="0"/>
+              <a:t>Low Safety for Higher Shelves</a:t>
+            </a:r>
+          </a:p>
+          <a:p>
+            <a:pPr marL="342900" indent="-342900">
+              <a:buFont typeface="Arial" panose="020B0604020202020204" pitchFamily="34" charset="0"/>
+              <a:buChar char="•"/>
+            </a:pPr>
+            <a:r>
+              <a:rPr lang="en-US" dirty="0"/>
+              <a:t>Maintenance and Repairs</a:t>
+            </a:r>
+          </a:p>
+          <a:p>
+            <a:pPr marL="342900" indent="-342900">
+              <a:buFont typeface="Arial" panose="020B0604020202020204" pitchFamily="34" charset="0"/>
+              <a:buChar char="•"/>
+            </a:pPr>
+            <a:r>
+              <a:rPr lang="en-US" dirty="0"/>
+              <a:t>Size as well (6’3”H x 3’10”L x 2’10”)</a:t>
+            </a:r>
+          </a:p>
+          <a:p>
+            <a:pPr marL="342900" indent="-342900">
+              <a:buFont typeface="Arial" panose="020B0604020202020204" pitchFamily="34" charset="0"/>
+              <a:buChar char="•"/>
+            </a:pPr>
+            <a:endParaRPr lang="en-US" dirty="0"/>
+          </a:p>
+          <a:p>
+            <a:r>
+              <a:rPr lang="en-US" dirty="0"/>
+              <a:t>PRICE:</a:t>
+            </a:r>
+          </a:p>
+          <a:p>
+            <a:r>
+              <a:rPr lang="en-US" dirty="0"/>
+              <a:t>$2000 - $2350, some can reach $7000</a:t>
             </a:r>
           </a:p>
         </p:txBody>
@@ -7056,7 +7487,7 @@
     </p:spTree>
     <p:extLst>
       <p:ext uri="{BB962C8B-B14F-4D97-AF65-F5344CB8AC3E}">
-        <p14:creationId xmlns:p14="http://schemas.microsoft.com/office/powerpoint/2010/main" val="3739062613"/>
+        <p14:creationId xmlns:p14="http://schemas.microsoft.com/office/powerpoint/2010/main" val="995698503"/>
       </p:ext>
     </p:extLst>
   </p:cSld>
@@ -7088,7 +7519,7 @@
           <p:cNvPr id="2" name="Title 1">
             <a:extLst>
               <a:ext uri="{FF2B5EF4-FFF2-40B4-BE49-F238E27FC236}">
-                <a16:creationId xmlns:a16="http://schemas.microsoft.com/office/drawing/2014/main" id="{D1D61DF3-2E7E-B9BD-E7B2-056B96FC9F4C}"/>
+                <a16:creationId xmlns:a16="http://schemas.microsoft.com/office/drawing/2014/main" id="{CE7094AE-A0BC-C0A9-E9F5-66B985EC3413}"/>
               </a:ext>
             </a:extLst>
           </p:cNvPr>
@@ -7106,44 +7537,177 @@
           <a:p>
             <a:r>
               <a:rPr lang="en-US" dirty="0"/>
-              <a:t>Measures of Success</a:t>
-            </a:r>
-          </a:p>
-        </p:txBody>
-      </p:sp>
-      <p:sp>
-        <p:nvSpPr>
-          <p:cNvPr id="3" name="Content Placeholder 2">
+              <a:t>Existing Solutions</a:t>
+            </a:r>
+          </a:p>
+        </p:txBody>
+      </p:sp>
+      <p:pic>
+        <p:nvPicPr>
+          <p:cNvPr id="5" name="Content Placeholder 4">
             <a:extLst>
               <a:ext uri="{FF2B5EF4-FFF2-40B4-BE49-F238E27FC236}">
-                <a16:creationId xmlns:a16="http://schemas.microsoft.com/office/drawing/2014/main" id="{37C9D95E-B033-7729-0230-9FF7CB0E73E7}"/>
+                <a16:creationId xmlns:a16="http://schemas.microsoft.com/office/drawing/2014/main" id="{D20DDE44-DC3E-CDC4-3562-61A024B1227F}"/>
               </a:ext>
             </a:extLst>
           </p:cNvPr>
-          <p:cNvSpPr>
-            <a:spLocks noGrp="1"/>
-          </p:cNvSpPr>
+          <p:cNvPicPr>
+            <a:picLocks noGrp="1" noChangeAspect="1"/>
+          </p:cNvPicPr>
           <p:nvPr>
             <p:ph sz="quarter" idx="13"/>
           </p:nvPr>
-        </p:nvSpPr>
-        <p:spPr/>
-        <p:txBody>
-          <a:bodyPr/>
-          <a:lstStyle/>
-          <a:p>
-            <a:r>
-              <a:rPr lang="en-US" dirty="0" err="1"/>
-              <a:t>austin</a:t>
+        </p:nvPicPr>
+        <p:blipFill>
+          <a:blip r:embed="rId2">
+            <a:extLst>
+              <a:ext uri="{28A0092B-C50C-407E-A947-70E740481C1C}">
+                <a14:useLocalDpi xmlns:a14="http://schemas.microsoft.com/office/drawing/2010/main" val="0"/>
+              </a:ext>
+            </a:extLst>
+          </a:blip>
+          <a:stretch>
+            <a:fillRect/>
+          </a:stretch>
+        </p:blipFill>
+        <p:spPr>
+          <a:xfrm>
+            <a:off x="913774" y="2053586"/>
+            <a:ext cx="2083651" cy="3424237"/>
+          </a:xfrm>
+        </p:spPr>
+      </p:pic>
+      <p:sp>
+        <p:nvSpPr>
+          <p:cNvPr id="6" name="TextBox 5">
+            <a:extLst>
+              <a:ext uri="{FF2B5EF4-FFF2-40B4-BE49-F238E27FC236}">
+                <a16:creationId xmlns:a16="http://schemas.microsoft.com/office/drawing/2014/main" id="{47DD8190-5662-DA91-78E5-9F65ECE5D4EB}"/>
+              </a:ext>
+            </a:extLst>
+          </p:cNvPr>
+          <p:cNvSpPr txBox="1"/>
+          <p:nvPr/>
+        </p:nvSpPr>
+        <p:spPr>
+          <a:xfrm>
+            <a:off x="3831772" y="1949083"/>
+            <a:ext cx="5826034" cy="3477875"/>
+          </a:xfrm>
+          <a:prstGeom prst="rect">
+            <a:avLst/>
+          </a:prstGeom>
+          <a:noFill/>
+        </p:spPr>
+        <p:txBody>
+          <a:bodyPr wrap="square" rtlCol="0">
+            <a:spAutoFit/>
+          </a:bodyPr>
+          <a:lstStyle/>
+          <a:p>
+            <a:r>
+              <a:rPr lang="en-US" sz="2000" dirty="0" err="1">
+                <a:latin typeface="+mj-lt"/>
+              </a:rPr>
+              <a:t>Lockerbox</a:t>
+            </a:r>
+            <a:r>
+              <a:rPr lang="en-US" sz="2000" dirty="0">
+                <a:latin typeface="+mj-lt"/>
+              </a:rPr>
+              <a:t> Array</a:t>
             </a:r>
             <a:endParaRPr lang="en-US" dirty="0"/>
+          </a:p>
+          <a:p>
+            <a:endParaRPr lang="en-US" sz="2000" dirty="0">
+              <a:latin typeface="+mj-lt"/>
+            </a:endParaRPr>
+          </a:p>
+          <a:p>
+            <a:r>
+              <a:rPr lang="en-US" dirty="0"/>
+              <a:t>PROS:</a:t>
+            </a:r>
+          </a:p>
+          <a:p>
+            <a:pPr marL="285750" indent="-285750">
+              <a:buFont typeface="Arial" panose="020B0604020202020204" pitchFamily="34" charset="0"/>
+              <a:buChar char="•"/>
+            </a:pPr>
+            <a:r>
+              <a:rPr lang="en-US" dirty="0"/>
+              <a:t>Various Sized Boxes</a:t>
+            </a:r>
+          </a:p>
+          <a:p>
+            <a:pPr marL="285750" indent="-285750">
+              <a:buFont typeface="Arial" panose="020B0604020202020204" pitchFamily="34" charset="0"/>
+              <a:buChar char="•"/>
+            </a:pPr>
+            <a:r>
+              <a:rPr lang="en-US" dirty="0"/>
+              <a:t>Locks for each device</a:t>
+            </a:r>
+          </a:p>
+          <a:p>
+            <a:pPr marL="285750" indent="-285750">
+              <a:buFont typeface="Arial" panose="020B0604020202020204" pitchFamily="34" charset="0"/>
+              <a:buChar char="•"/>
+            </a:pPr>
+            <a:endParaRPr lang="en-US" dirty="0"/>
+          </a:p>
+          <a:p>
+            <a:r>
+              <a:rPr lang="en-US" dirty="0"/>
+              <a:t>CONS:</a:t>
+            </a:r>
+          </a:p>
+          <a:p>
+            <a:pPr marL="285750" indent="-285750">
+              <a:buFont typeface="Arial" panose="020B0604020202020204" pitchFamily="34" charset="0"/>
+              <a:buChar char="•"/>
+            </a:pPr>
+            <a:r>
+              <a:rPr lang="en-US" dirty="0"/>
+              <a:t>Storage / Refilling</a:t>
+            </a:r>
+          </a:p>
+          <a:p>
+            <a:pPr marL="285750" indent="-285750">
+              <a:buFont typeface="Arial" panose="020B0604020202020204" pitchFamily="34" charset="0"/>
+              <a:buChar char="•"/>
+            </a:pPr>
+            <a:r>
+              <a:rPr lang="en-US" dirty="0"/>
+              <a:t>Locks must have Strong Resistance</a:t>
+            </a:r>
+          </a:p>
+          <a:p>
+            <a:pPr marL="285750" indent="-285750">
+              <a:buFont typeface="Arial" panose="020B0604020202020204" pitchFamily="34" charset="0"/>
+              <a:buChar char="•"/>
+            </a:pPr>
+            <a:endParaRPr lang="en-US" dirty="0"/>
+          </a:p>
+          <a:p>
+            <a:r>
+              <a:rPr lang="en-US" dirty="0"/>
+              <a:t>Price:</a:t>
+            </a:r>
+          </a:p>
+          <a:p>
+            <a:r>
+              <a:rPr lang="en-US" dirty="0"/>
+              <a:t>Unknown, generally </a:t>
+            </a:r>
           </a:p>
         </p:txBody>
       </p:sp>
     </p:spTree>
     <p:extLst>
       <p:ext uri="{BB962C8B-B14F-4D97-AF65-F5344CB8AC3E}">
-        <p14:creationId xmlns:p14="http://schemas.microsoft.com/office/powerpoint/2010/main" val="2684452183"/>
+        <p14:creationId xmlns:p14="http://schemas.microsoft.com/office/powerpoint/2010/main" val="566428252"/>
       </p:ext>
     </p:extLst>
   </p:cSld>
@@ -7175,7 +7739,7 @@
           <p:cNvPr id="2" name="Title 1">
             <a:extLst>
               <a:ext uri="{FF2B5EF4-FFF2-40B4-BE49-F238E27FC236}">
-                <a16:creationId xmlns:a16="http://schemas.microsoft.com/office/drawing/2014/main" id="{B5260E69-4A43-40AF-A806-B61AB0833D5A}"/>
+                <a16:creationId xmlns:a16="http://schemas.microsoft.com/office/drawing/2014/main" id="{4E89383D-85BD-9FB9-287B-4F68DC44A725}"/>
               </a:ext>
             </a:extLst>
           </p:cNvPr>
@@ -7191,7 +7755,10 @@
           <a:bodyPr/>
           <a:lstStyle/>
           <a:p>
-            <a:endParaRPr lang="en-US"/>
+            <a:r>
+              <a:rPr lang="en-US" dirty="0"/>
+              <a:t>Proposed Solution</a:t>
+            </a:r>
           </a:p>
         </p:txBody>
       </p:sp>
@@ -7200,7 +7767,7 @@
           <p:cNvPr id="3" name="Content Placeholder 2">
             <a:extLst>
               <a:ext uri="{FF2B5EF4-FFF2-40B4-BE49-F238E27FC236}">
-                <a16:creationId xmlns:a16="http://schemas.microsoft.com/office/drawing/2014/main" id="{57F29B84-5F69-C4CA-E012-1FB6E9D3CDEB}"/>
+                <a16:creationId xmlns:a16="http://schemas.microsoft.com/office/drawing/2014/main" id="{47544C65-F15D-33AE-FAF3-3565B364854F}"/>
               </a:ext>
             </a:extLst>
           </p:cNvPr>
@@ -7218,7 +7785,7 @@
           <a:p>
             <a:r>
               <a:rPr lang="en-US" dirty="0"/>
-              <a:t>Austin – also impacts of the project </a:t>
+              <a:t>Ryan – systems (basic talk of what we want), unknowns, ways of testing systems, mention mechanical and what they think would work (Like Fastenal 3D array lockbox)</a:t>
             </a:r>
           </a:p>
         </p:txBody>
@@ -7226,7 +7793,7 @@
     </p:spTree>
     <p:extLst>
       <p:ext uri="{BB962C8B-B14F-4D97-AF65-F5344CB8AC3E}">
-        <p14:creationId xmlns:p14="http://schemas.microsoft.com/office/powerpoint/2010/main" val="1634311964"/>
+        <p14:creationId xmlns:p14="http://schemas.microsoft.com/office/powerpoint/2010/main" val="3739062613"/>
       </p:ext>
     </p:extLst>
   </p:cSld>

--- a/Reports/Team5_project_Proposal.pptx
+++ b/Reports/Team5_project_Proposal.pptx
@@ -296,7 +296,7 @@
           <a:p>
             <a:fld id="{2EA7F429-7AA9-4EE2-98A7-A834558554C9}" type="datetimeFigureOut">
               <a:rPr lang="en-US" smtClean="0"/>
-              <a:t>10/3/2022</a:t>
+              <a:t>10/4/2022</a:t>
             </a:fld>
             <a:endParaRPr lang="en-US"/>
           </a:p>
@@ -611,7 +611,7 @@
           <a:p>
             <a:fld id="{2EA7F429-7AA9-4EE2-98A7-A834558554C9}" type="datetimeFigureOut">
               <a:rPr lang="en-US" smtClean="0"/>
-              <a:t>10/3/2022</a:t>
+              <a:t>10/4/2022</a:t>
             </a:fld>
             <a:endParaRPr lang="en-US"/>
           </a:p>
@@ -833,7 +833,7 @@
           <a:p>
             <a:fld id="{2EA7F429-7AA9-4EE2-98A7-A834558554C9}" type="datetimeFigureOut">
               <a:rPr lang="en-US" smtClean="0"/>
-              <a:t>10/3/2022</a:t>
+              <a:t>10/4/2022</a:t>
             </a:fld>
             <a:endParaRPr lang="en-US"/>
           </a:p>
@@ -1124,7 +1124,7 @@
           <a:p>
             <a:fld id="{2EA7F429-7AA9-4EE2-98A7-A834558554C9}" type="datetimeFigureOut">
               <a:rPr lang="en-US" smtClean="0"/>
-              <a:t>10/3/2022</a:t>
+              <a:t>10/4/2022</a:t>
             </a:fld>
             <a:endParaRPr lang="en-US"/>
           </a:p>
@@ -1578,7 +1578,7 @@
           <a:p>
             <a:fld id="{2EA7F429-7AA9-4EE2-98A7-A834558554C9}" type="datetimeFigureOut">
               <a:rPr lang="en-US" smtClean="0"/>
-              <a:t>10/3/2022</a:t>
+              <a:t>10/4/2022</a:t>
             </a:fld>
             <a:endParaRPr lang="en-US"/>
           </a:p>
@@ -2154,7 +2154,7 @@
           <a:p>
             <a:fld id="{2EA7F429-7AA9-4EE2-98A7-A834558554C9}" type="datetimeFigureOut">
               <a:rPr lang="en-US" smtClean="0"/>
-              <a:t>10/3/2022</a:t>
+              <a:t>10/4/2022</a:t>
             </a:fld>
             <a:endParaRPr lang="en-US"/>
           </a:p>
@@ -3015,7 +3015,7 @@
           <a:p>
             <a:fld id="{2EA7F429-7AA9-4EE2-98A7-A834558554C9}" type="datetimeFigureOut">
               <a:rPr lang="en-US" smtClean="0"/>
-              <a:t>10/3/2022</a:t>
+              <a:t>10/4/2022</a:t>
             </a:fld>
             <a:endParaRPr lang="en-US"/>
           </a:p>
@@ -3220,7 +3220,7 @@
           <a:p>
             <a:fld id="{2EA7F429-7AA9-4EE2-98A7-A834558554C9}" type="datetimeFigureOut">
               <a:rPr lang="en-US" smtClean="0"/>
-              <a:t>10/3/2022</a:t>
+              <a:t>10/4/2022</a:t>
             </a:fld>
             <a:endParaRPr lang="en-US"/>
           </a:p>
@@ -3434,7 +3434,7 @@
           <a:p>
             <a:fld id="{2EA7F429-7AA9-4EE2-98A7-A834558554C9}" type="datetimeFigureOut">
               <a:rPr lang="en-US" smtClean="0"/>
-              <a:t>10/3/2022</a:t>
+              <a:t>10/4/2022</a:t>
             </a:fld>
             <a:endParaRPr lang="en-US"/>
           </a:p>
@@ -3639,7 +3639,7 @@
           <a:p>
             <a:fld id="{2EA7F429-7AA9-4EE2-98A7-A834558554C9}" type="datetimeFigureOut">
               <a:rPr lang="en-US" smtClean="0"/>
-              <a:t>10/3/2022</a:t>
+              <a:t>10/4/2022</a:t>
             </a:fld>
             <a:endParaRPr lang="en-US"/>
           </a:p>
@@ -3919,7 +3919,7 @@
           <a:p>
             <a:fld id="{2EA7F429-7AA9-4EE2-98A7-A834558554C9}" type="datetimeFigureOut">
               <a:rPr lang="en-US" smtClean="0"/>
-              <a:t>10/3/2022</a:t>
+              <a:t>10/4/2022</a:t>
             </a:fld>
             <a:endParaRPr lang="en-US"/>
           </a:p>
@@ -4186,7 +4186,7 @@
           <a:p>
             <a:fld id="{2EA7F429-7AA9-4EE2-98A7-A834558554C9}" type="datetimeFigureOut">
               <a:rPr lang="en-US" smtClean="0"/>
-              <a:t>10/3/2022</a:t>
+              <a:t>10/4/2022</a:t>
             </a:fld>
             <a:endParaRPr lang="en-US"/>
           </a:p>
@@ -4601,7 +4601,7 @@
           <a:p>
             <a:fld id="{2EA7F429-7AA9-4EE2-98A7-A834558554C9}" type="datetimeFigureOut">
               <a:rPr lang="en-US" smtClean="0"/>
-              <a:t>10/3/2022</a:t>
+              <a:t>10/4/2022</a:t>
             </a:fld>
             <a:endParaRPr lang="en-US"/>
           </a:p>
@@ -4749,7 +4749,7 @@
           <a:p>
             <a:fld id="{2EA7F429-7AA9-4EE2-98A7-A834558554C9}" type="datetimeFigureOut">
               <a:rPr lang="en-US" smtClean="0"/>
-              <a:t>10/3/2022</a:t>
+              <a:t>10/4/2022</a:t>
             </a:fld>
             <a:endParaRPr lang="en-US"/>
           </a:p>
@@ -4874,7 +4874,7 @@
           <a:p>
             <a:fld id="{2EA7F429-7AA9-4EE2-98A7-A834558554C9}" type="datetimeFigureOut">
               <a:rPr lang="en-US" smtClean="0"/>
-              <a:t>10/3/2022</a:t>
+              <a:t>10/4/2022</a:t>
             </a:fld>
             <a:endParaRPr lang="en-US"/>
           </a:p>
@@ -5153,7 +5153,7 @@
           <a:p>
             <a:fld id="{2EA7F429-7AA9-4EE2-98A7-A834558554C9}" type="datetimeFigureOut">
               <a:rPr lang="en-US" smtClean="0"/>
-              <a:t>10/3/2022</a:t>
+              <a:t>10/4/2022</a:t>
             </a:fld>
             <a:endParaRPr lang="en-US"/>
           </a:p>
@@ -5468,7 +5468,7 @@
           <a:p>
             <a:fld id="{2EA7F429-7AA9-4EE2-98A7-A834558554C9}" type="datetimeFigureOut">
               <a:rPr lang="en-US" smtClean="0"/>
-              <a:t>10/3/2022</a:t>
+              <a:t>10/4/2022</a:t>
             </a:fld>
             <a:endParaRPr lang="en-US"/>
           </a:p>
@@ -5721,7 +5721,7 @@
           <a:p>
             <a:fld id="{2EA7F429-7AA9-4EE2-98A7-A834558554C9}" type="datetimeFigureOut">
               <a:rPr lang="en-US" smtClean="0"/>
-              <a:t>10/3/2022</a:t>
+              <a:t>10/4/2022</a:t>
             </a:fld>
             <a:endParaRPr lang="en-US"/>
           </a:p>
